--- a/CS251-Sara_Tarek-20120382-ProjectPresentation.pptx
+++ b/CS251-Sara_Tarek-20120382-ProjectPresentation.pptx
@@ -1202,12 +1202,12 @@
   <dgm:cxnLst>
     <dgm:cxn modelId="{39ECB7E7-30E3-4A3C-AAF0-553A3160CF23}" type="presOf" srcId="{455C831A-CCF5-4391-A2BE-9DF065D37587}" destId="{E220828C-C958-4FCF-B52F-02D7F5D17607}" srcOrd="0" destOrd="0" presId="urn:microsoft.com/office/officeart/2005/8/layout/arrow2"/>
     <dgm:cxn modelId="{8C1AFE23-B091-4CE6-8284-0511812F213B}" srcId="{455C831A-CCF5-4391-A2BE-9DF065D37587}" destId="{1E3A074B-8EC3-4AC7-ADB8-C53A583CA2D1}" srcOrd="0" destOrd="0" parTransId="{C3E70DF8-D297-401F-A070-1295F4388B0B}" sibTransId="{13D421C7-F834-4141-85ED-0207D610A128}"/>
+    <dgm:cxn modelId="{FC06516A-52A5-4D36-B302-CBA7ED53FA18}" type="presOf" srcId="{C7CCB8C4-BA8F-435B-96D2-651E5BBEE204}" destId="{389CF004-91C6-4868-93F7-537D5C97980B}" srcOrd="0" destOrd="0" presId="urn:microsoft.com/office/officeart/2005/8/layout/arrow2"/>
+    <dgm:cxn modelId="{FF43409D-6490-4DAC-9843-57BD11235D92}" type="presOf" srcId="{1E3A074B-8EC3-4AC7-ADB8-C53A583CA2D1}" destId="{48F9B62B-8095-40B1-882D-7B164B0C8B69}" srcOrd="0" destOrd="0" presId="urn:microsoft.com/office/officeart/2005/8/layout/arrow2"/>
     <dgm:cxn modelId="{3C905DEF-E67D-4C40-B05D-4060669E3B98}" type="presOf" srcId="{A75DE5EA-0E88-4A1C-B1EA-B4EE477D7AA1}" destId="{5E71A06C-9747-4CAE-BA21-E9C2A4D6678D}" srcOrd="0" destOrd="0" presId="urn:microsoft.com/office/officeart/2005/8/layout/arrow2"/>
+    <dgm:cxn modelId="{679C1D1A-14EB-43D6-A6EB-15DB434BD9E3}" srcId="{455C831A-CCF5-4391-A2BE-9DF065D37587}" destId="{C7CCB8C4-BA8F-435B-96D2-651E5BBEE204}" srcOrd="1" destOrd="0" parTransId="{AD18367E-C5DB-45A4-A27B-B15954C86D0F}" sibTransId="{7D6A4EA2-7BAB-433A-B969-4D95C96F0274}"/>
     <dgm:cxn modelId="{D09152C8-0058-4F02-AE9F-59A443534AE8}" srcId="{455C831A-CCF5-4391-A2BE-9DF065D37587}" destId="{A75DE5EA-0E88-4A1C-B1EA-B4EE477D7AA1}" srcOrd="2" destOrd="0" parTransId="{48157EE2-9BD9-48FE-A422-276C84F2470D}" sibTransId="{03226FF3-250B-4000-A0B5-00FF0F1D75A5}"/>
-    <dgm:cxn modelId="{FC06516A-52A5-4D36-B302-CBA7ED53FA18}" type="presOf" srcId="{C7CCB8C4-BA8F-435B-96D2-651E5BBEE204}" destId="{389CF004-91C6-4868-93F7-537D5C97980B}" srcOrd="0" destOrd="0" presId="urn:microsoft.com/office/officeart/2005/8/layout/arrow2"/>
     <dgm:cxn modelId="{FE1744AC-C004-4578-94B6-93CA8D33C9E8}" type="presOf" srcId="{1982B446-3706-4711-A6F1-3DC4DFE59A3A}" destId="{DB2CD8C7-A5B3-49A1-81CC-0EEDDDF3DB4E}" srcOrd="0" destOrd="0" presId="urn:microsoft.com/office/officeart/2005/8/layout/arrow2"/>
-    <dgm:cxn modelId="{FF43409D-6490-4DAC-9843-57BD11235D92}" type="presOf" srcId="{1E3A074B-8EC3-4AC7-ADB8-C53A583CA2D1}" destId="{48F9B62B-8095-40B1-882D-7B164B0C8B69}" srcOrd="0" destOrd="0" presId="urn:microsoft.com/office/officeart/2005/8/layout/arrow2"/>
-    <dgm:cxn modelId="{679C1D1A-14EB-43D6-A6EB-15DB434BD9E3}" srcId="{455C831A-CCF5-4391-A2BE-9DF065D37587}" destId="{C7CCB8C4-BA8F-435B-96D2-651E5BBEE204}" srcOrd="1" destOrd="0" parTransId="{AD18367E-C5DB-45A4-A27B-B15954C86D0F}" sibTransId="{7D6A4EA2-7BAB-433A-B969-4D95C96F0274}"/>
     <dgm:cxn modelId="{7DD07C3D-EA79-49EE-93EE-865A49AB8425}" srcId="{455C831A-CCF5-4391-A2BE-9DF065D37587}" destId="{1982B446-3706-4711-A6F1-3DC4DFE59A3A}" srcOrd="3" destOrd="0" parTransId="{33D0F32B-ABD3-423A-818A-28D89377B172}" sibTransId="{6C0374E5-7FC4-4DEF-BC17-94C58A35DE3F}"/>
     <dgm:cxn modelId="{CDB3CFA4-6064-4BD5-9F4C-2C85AFCC5E37}" type="presParOf" srcId="{E220828C-C958-4FCF-B52F-02D7F5D17607}" destId="{82ED47FD-CD8E-4EC8-A7E3-BF3AC4BC5C1A}" srcOrd="0" destOrd="0" presId="urn:microsoft.com/office/officeart/2005/8/layout/arrow2"/>
     <dgm:cxn modelId="{019C372E-51B0-4A64-8D12-B92827204091}" type="presParOf" srcId="{E220828C-C958-4FCF-B52F-02D7F5D17607}" destId="{4566E19C-2577-409E-A34A-BB8B091D39D1}" srcOrd="1" destOrd="0" presId="urn:microsoft.com/office/officeart/2005/8/layout/arrow2"/>
@@ -1238,480 +1238,6 @@
       <dsp:cNvGrpSpPr/>
     </dsp:nvGrpSpPr>
     <dsp:grpSpPr/>
-    <dsp:sp modelId="{82ED47FD-CD8E-4EC8-A7E3-BF3AC4BC5C1A}">
-      <dsp:nvSpPr>
-        <dsp:cNvPr id="0" name=""/>
-        <dsp:cNvSpPr/>
-      </dsp:nvSpPr>
-      <dsp:spPr>
-        <a:xfrm>
-          <a:off x="650026" y="358817"/>
-          <a:ext cx="8952255" cy="5546552"/>
-        </a:xfrm>
-        <a:prstGeom prst="swooshArrow">
-          <a:avLst>
-            <a:gd name="adj1" fmla="val 25000"/>
-            <a:gd name="adj2" fmla="val 25000"/>
-          </a:avLst>
-        </a:prstGeom>
-        <a:solidFill>
-          <a:schemeClr val="accent3">
-            <a:tint val="40000"/>
-            <a:hueOff val="0"/>
-            <a:satOff val="0"/>
-            <a:lumOff val="0"/>
-            <a:alphaOff val="0"/>
-          </a:schemeClr>
-        </a:solidFill>
-        <a:ln>
-          <a:noFill/>
-        </a:ln>
-        <a:effectLst/>
-        <a:sp3d z="-400500" extrusionH="63500" contourW="12700" prstMaterial="matte">
-          <a:contourClr>
-            <a:schemeClr val="lt1">
-              <a:tint val="50000"/>
-            </a:schemeClr>
-          </a:contourClr>
-        </a:sp3d>
-      </dsp:spPr>
-      <dsp:style>
-        <a:lnRef idx="0">
-          <a:scrgbClr r="0" g="0" b="0"/>
-        </a:lnRef>
-        <a:fillRef idx="1">
-          <a:scrgbClr r="0" g="0" b="0"/>
-        </a:fillRef>
-        <a:effectRef idx="0">
-          <a:scrgbClr r="0" g="0" b="0"/>
-        </a:effectRef>
-        <a:fontRef idx="minor"/>
-      </dsp:style>
-    </dsp:sp>
-    <dsp:sp modelId="{A94E7C76-C16F-47F1-B4F1-C2CF2270A7E9}">
-      <dsp:nvSpPr>
-        <dsp:cNvPr id="0" name=""/>
-        <dsp:cNvSpPr/>
-      </dsp:nvSpPr>
-      <dsp:spPr>
-        <a:xfrm>
-          <a:off x="1222380" y="4725454"/>
-          <a:ext cx="237236" cy="237236"/>
-        </a:xfrm>
-        <a:prstGeom prst="ellipse">
-          <a:avLst/>
-        </a:prstGeom>
-        <a:solidFill>
-          <a:schemeClr val="accent3">
-            <a:hueOff val="0"/>
-            <a:satOff val="0"/>
-            <a:lumOff val="0"/>
-            <a:alphaOff val="0"/>
-          </a:schemeClr>
-        </a:solidFill>
-        <a:ln>
-          <a:noFill/>
-        </a:ln>
-        <a:effectLst/>
-        <a:sp3d extrusionH="381000" contourW="38100" prstMaterial="matte">
-          <a:contourClr>
-            <a:schemeClr val="lt1"/>
-          </a:contourClr>
-        </a:sp3d>
-      </dsp:spPr>
-      <dsp:style>
-        <a:lnRef idx="0">
-          <a:scrgbClr r="0" g="0" b="0"/>
-        </a:lnRef>
-        <a:fillRef idx="1">
-          <a:scrgbClr r="0" g="0" b="0"/>
-        </a:fillRef>
-        <a:effectRef idx="0">
-          <a:scrgbClr r="0" g="0" b="0"/>
-        </a:effectRef>
-        <a:fontRef idx="minor">
-          <a:schemeClr val="lt1"/>
-        </a:fontRef>
-      </dsp:style>
-    </dsp:sp>
-    <dsp:sp modelId="{48F9B62B-8095-40B1-882D-7B164B0C8B69}">
-      <dsp:nvSpPr>
-        <dsp:cNvPr id="0" name=""/>
-        <dsp:cNvSpPr/>
-      </dsp:nvSpPr>
-      <dsp:spPr>
-        <a:xfrm>
-          <a:off x="1179961" y="5179927"/>
-          <a:ext cx="2128498" cy="1534298"/>
-        </a:xfrm>
-        <a:prstGeom prst="rect">
-          <a:avLst/>
-        </a:prstGeom>
-        <a:noFill/>
-        <a:ln>
-          <a:noFill/>
-        </a:ln>
-        <a:effectLst/>
-      </dsp:spPr>
-      <dsp:style>
-        <a:lnRef idx="0">
-          <a:scrgbClr r="0" g="0" b="0"/>
-        </a:lnRef>
-        <a:fillRef idx="0">
-          <a:scrgbClr r="0" g="0" b="0"/>
-        </a:fillRef>
-        <a:effectRef idx="0">
-          <a:scrgbClr r="0" g="0" b="0"/>
-        </a:effectRef>
-        <a:fontRef idx="minor"/>
-      </dsp:style>
-      <dsp:txBody>
-        <a:bodyPr spcFirstLastPara="0" vert="horz" wrap="square" lIns="125706" tIns="0" rIns="0" bIns="0" numCol="1" spcCol="1270" anchor="t" anchorCtr="0">
-          <a:noAutofit/>
-        </a:bodyPr>
-        <a:lstStyle/>
-        <a:p>
-          <a:pPr lvl="0" algn="l" defTabSz="889000">
-            <a:lnSpc>
-              <a:spcPct val="90000"/>
-            </a:lnSpc>
-            <a:spcBef>
-              <a:spcPct val="0"/>
-            </a:spcBef>
-            <a:spcAft>
-              <a:spcPct val="35000"/>
-            </a:spcAft>
-          </a:pPr>
-          <a:r>
-            <a:rPr lang="en-US" sz="2000" kern="1200" dirty="0" smtClean="0"/>
-            <a:t>SRS</a:t>
-          </a:r>
-          <a:endParaRPr lang="en-US" sz="2000" kern="1200" dirty="0"/>
-        </a:p>
-      </dsp:txBody>
-      <dsp:txXfrm>
-        <a:off x="1179961" y="5179927"/>
-        <a:ext cx="2128498" cy="1534298"/>
-      </dsp:txXfrm>
-    </dsp:sp>
-    <dsp:sp modelId="{0CFC4447-43F4-414D-A014-8F5BDE3BC5FF}">
-      <dsp:nvSpPr>
-        <dsp:cNvPr id="0" name=""/>
-        <dsp:cNvSpPr/>
-      </dsp:nvSpPr>
-      <dsp:spPr>
-        <a:xfrm>
-          <a:off x="2627304" y="3412116"/>
-          <a:ext cx="412584" cy="412584"/>
-        </a:xfrm>
-        <a:prstGeom prst="ellipse">
-          <a:avLst/>
-        </a:prstGeom>
-        <a:solidFill>
-          <a:schemeClr val="accent3">
-            <a:hueOff val="3750088"/>
-            <a:satOff val="-5627"/>
-            <a:lumOff val="-915"/>
-            <a:alphaOff val="0"/>
-          </a:schemeClr>
-        </a:solidFill>
-        <a:ln>
-          <a:noFill/>
-        </a:ln>
-        <a:effectLst/>
-        <a:sp3d extrusionH="381000" contourW="38100" prstMaterial="matte">
-          <a:contourClr>
-            <a:schemeClr val="lt1"/>
-          </a:contourClr>
-        </a:sp3d>
-      </dsp:spPr>
-      <dsp:style>
-        <a:lnRef idx="0">
-          <a:scrgbClr r="0" g="0" b="0"/>
-        </a:lnRef>
-        <a:fillRef idx="1">
-          <a:scrgbClr r="0" g="0" b="0"/>
-        </a:fillRef>
-        <a:effectRef idx="0">
-          <a:scrgbClr r="0" g="0" b="0"/>
-        </a:effectRef>
-        <a:fontRef idx="minor">
-          <a:schemeClr val="lt1"/>
-        </a:fontRef>
-      </dsp:style>
-    </dsp:sp>
-    <dsp:sp modelId="{389CF004-91C6-4868-93F7-537D5C97980B}">
-      <dsp:nvSpPr>
-        <dsp:cNvPr id="0" name=""/>
-        <dsp:cNvSpPr/>
-      </dsp:nvSpPr>
-      <dsp:spPr>
-        <a:xfrm>
-          <a:off x="2650669" y="4213925"/>
-          <a:ext cx="2166067" cy="2402994"/>
-        </a:xfrm>
-        <a:prstGeom prst="rect">
-          <a:avLst/>
-        </a:prstGeom>
-        <a:noFill/>
-        <a:ln>
-          <a:noFill/>
-        </a:ln>
-        <a:effectLst/>
-      </dsp:spPr>
-      <dsp:style>
-        <a:lnRef idx="0">
-          <a:scrgbClr r="0" g="0" b="0"/>
-        </a:lnRef>
-        <a:fillRef idx="0">
-          <a:scrgbClr r="0" g="0" b="0"/>
-        </a:fillRef>
-        <a:effectRef idx="0">
-          <a:scrgbClr r="0" g="0" b="0"/>
-        </a:effectRef>
-        <a:fontRef idx="minor"/>
-      </dsp:style>
-      <dsp:txBody>
-        <a:bodyPr spcFirstLastPara="0" vert="horz" wrap="square" lIns="218620" tIns="0" rIns="0" bIns="0" numCol="1" spcCol="1270" anchor="t" anchorCtr="0">
-          <a:noAutofit/>
-        </a:bodyPr>
-        <a:lstStyle/>
-        <a:p>
-          <a:pPr lvl="0" algn="l" defTabSz="889000">
-            <a:lnSpc>
-              <a:spcPct val="90000"/>
-            </a:lnSpc>
-            <a:spcBef>
-              <a:spcPct val="0"/>
-            </a:spcBef>
-            <a:spcAft>
-              <a:spcPct val="35000"/>
-            </a:spcAft>
-          </a:pPr>
-          <a:r>
-            <a:rPr lang="en-US" sz="2000" kern="1200" dirty="0" smtClean="0"/>
-            <a:t>SDS</a:t>
-          </a:r>
-          <a:endParaRPr lang="en-US" sz="2000" kern="1200" dirty="0"/>
-        </a:p>
-      </dsp:txBody>
-      <dsp:txXfrm>
-        <a:off x="2650669" y="4213925"/>
-        <a:ext cx="2166067" cy="2402994"/>
-      </dsp:txXfrm>
-    </dsp:sp>
-    <dsp:sp modelId="{8D49C94D-D2A4-4464-8383-D3C12F8B2538}">
-      <dsp:nvSpPr>
-        <dsp:cNvPr id="0" name=""/>
-        <dsp:cNvSpPr/>
-      </dsp:nvSpPr>
-      <dsp:spPr>
-        <a:xfrm>
-          <a:off x="4476158" y="2372555"/>
-          <a:ext cx="546674" cy="546674"/>
-        </a:xfrm>
-        <a:prstGeom prst="ellipse">
-          <a:avLst/>
-        </a:prstGeom>
-        <a:solidFill>
-          <a:schemeClr val="accent3">
-            <a:hueOff val="7500176"/>
-            <a:satOff val="-11253"/>
-            <a:lumOff val="-1830"/>
-            <a:alphaOff val="0"/>
-          </a:schemeClr>
-        </a:solidFill>
-        <a:ln>
-          <a:noFill/>
-        </a:ln>
-        <a:effectLst/>
-        <a:sp3d extrusionH="381000" contourW="38100" prstMaterial="matte">
-          <a:contourClr>
-            <a:schemeClr val="lt1"/>
-          </a:contourClr>
-        </a:sp3d>
-      </dsp:spPr>
-      <dsp:style>
-        <a:lnRef idx="0">
-          <a:scrgbClr r="0" g="0" b="0"/>
-        </a:lnRef>
-        <a:fillRef idx="1">
-          <a:scrgbClr r="0" g="0" b="0"/>
-        </a:fillRef>
-        <a:effectRef idx="0">
-          <a:scrgbClr r="0" g="0" b="0"/>
-        </a:effectRef>
-        <a:fontRef idx="minor">
-          <a:schemeClr val="lt1"/>
-        </a:fontRef>
-      </dsp:style>
-    </dsp:sp>
-    <dsp:sp modelId="{5E71A06C-9747-4CAE-BA21-E9C2A4D6678D}">
-      <dsp:nvSpPr>
-        <dsp:cNvPr id="0" name=""/>
-        <dsp:cNvSpPr/>
-      </dsp:nvSpPr>
-      <dsp:spPr>
-        <a:xfrm>
-          <a:off x="4476161" y="3314029"/>
-          <a:ext cx="2166067" cy="2427103"/>
-        </a:xfrm>
-        <a:prstGeom prst="rect">
-          <a:avLst/>
-        </a:prstGeom>
-        <a:noFill/>
-        <a:ln>
-          <a:noFill/>
-        </a:ln>
-        <a:effectLst/>
-      </dsp:spPr>
-      <dsp:style>
-        <a:lnRef idx="0">
-          <a:scrgbClr r="0" g="0" b="0"/>
-        </a:lnRef>
-        <a:fillRef idx="0">
-          <a:scrgbClr r="0" g="0" b="0"/>
-        </a:fillRef>
-        <a:effectRef idx="0">
-          <a:scrgbClr r="0" g="0" b="0"/>
-        </a:effectRef>
-        <a:fontRef idx="minor"/>
-      </dsp:style>
-      <dsp:txBody>
-        <a:bodyPr spcFirstLastPara="0" vert="horz" wrap="square" lIns="289671" tIns="0" rIns="0" bIns="0" numCol="1" spcCol="1270" anchor="t" anchorCtr="0">
-          <a:noAutofit/>
-        </a:bodyPr>
-        <a:lstStyle/>
-        <a:p>
-          <a:pPr lvl="0" algn="l" defTabSz="889000">
-            <a:lnSpc>
-              <a:spcPct val="90000"/>
-            </a:lnSpc>
-            <a:spcBef>
-              <a:spcPct val="0"/>
-            </a:spcBef>
-            <a:spcAft>
-              <a:spcPct val="35000"/>
-            </a:spcAft>
-          </a:pPr>
-          <a:r>
-            <a:rPr lang="en-US" sz="2000" kern="1200" dirty="0" smtClean="0"/>
-            <a:t>Initial Implementation</a:t>
-          </a:r>
-          <a:endParaRPr lang="en-US" sz="2000" kern="1200" dirty="0"/>
-        </a:p>
-      </dsp:txBody>
-      <dsp:txXfrm>
-        <a:off x="4476161" y="3314029"/>
-        <a:ext cx="2166067" cy="2427103"/>
-      </dsp:txXfrm>
-    </dsp:sp>
-    <dsp:sp modelId="{A9227355-A6E4-4C01-AB6A-08B68C0ABB91}">
-      <dsp:nvSpPr>
-        <dsp:cNvPr id="0" name=""/>
-        <dsp:cNvSpPr/>
-      </dsp:nvSpPr>
-      <dsp:spPr>
-        <a:xfrm>
-          <a:off x="6714217" y="1635956"/>
-          <a:ext cx="732337" cy="732337"/>
-        </a:xfrm>
-        <a:prstGeom prst="ellipse">
-          <a:avLst/>
-        </a:prstGeom>
-        <a:solidFill>
-          <a:schemeClr val="accent3">
-            <a:hueOff val="11250264"/>
-            <a:satOff val="-16880"/>
-            <a:lumOff val="-2745"/>
-            <a:alphaOff val="0"/>
-          </a:schemeClr>
-        </a:solidFill>
-        <a:ln>
-          <a:noFill/>
-        </a:ln>
-        <a:effectLst/>
-        <a:sp3d extrusionH="381000" contourW="38100" prstMaterial="matte">
-          <a:contourClr>
-            <a:schemeClr val="lt1"/>
-          </a:contourClr>
-        </a:sp3d>
-      </dsp:spPr>
-      <dsp:style>
-        <a:lnRef idx="0">
-          <a:scrgbClr r="0" g="0" b="0"/>
-        </a:lnRef>
-        <a:fillRef idx="1">
-          <a:scrgbClr r="0" g="0" b="0"/>
-        </a:fillRef>
-        <a:effectRef idx="0">
-          <a:scrgbClr r="0" g="0" b="0"/>
-        </a:effectRef>
-        <a:fontRef idx="minor">
-          <a:schemeClr val="lt1"/>
-        </a:fontRef>
-      </dsp:style>
-    </dsp:sp>
-    <dsp:sp modelId="{DB2CD8C7-A5B3-49A1-81CC-0EEDDDF3DB4E}">
-      <dsp:nvSpPr>
-        <dsp:cNvPr id="0" name=""/>
-        <dsp:cNvSpPr/>
-      </dsp:nvSpPr>
-      <dsp:spPr>
-        <a:xfrm>
-          <a:off x="6811524" y="2724620"/>
-          <a:ext cx="2166067" cy="2983605"/>
-        </a:xfrm>
-        <a:prstGeom prst="rect">
-          <a:avLst/>
-        </a:prstGeom>
-        <a:noFill/>
-        <a:ln>
-          <a:noFill/>
-        </a:ln>
-        <a:effectLst/>
-      </dsp:spPr>
-      <dsp:style>
-        <a:lnRef idx="0">
-          <a:scrgbClr r="0" g="0" b="0"/>
-        </a:lnRef>
-        <a:fillRef idx="0">
-          <a:scrgbClr r="0" g="0" b="0"/>
-        </a:fillRef>
-        <a:effectRef idx="0">
-          <a:scrgbClr r="0" g="0" b="0"/>
-        </a:effectRef>
-        <a:fontRef idx="minor"/>
-      </dsp:style>
-      <dsp:txBody>
-        <a:bodyPr spcFirstLastPara="0" vert="horz" wrap="square" lIns="388050" tIns="0" rIns="0" bIns="0" numCol="1" spcCol="1270" anchor="t" anchorCtr="0">
-          <a:noAutofit/>
-        </a:bodyPr>
-        <a:lstStyle/>
-        <a:p>
-          <a:pPr lvl="0" algn="l" defTabSz="889000">
-            <a:lnSpc>
-              <a:spcPct val="90000"/>
-            </a:lnSpc>
-            <a:spcBef>
-              <a:spcPct val="0"/>
-            </a:spcBef>
-            <a:spcAft>
-              <a:spcPct val="35000"/>
-            </a:spcAft>
-          </a:pPr>
-          <a:r>
-            <a:rPr lang="en-US" sz="2000" kern="1200" dirty="0" smtClean="0"/>
-            <a:t>Final Implement.</a:t>
-          </a:r>
-          <a:endParaRPr lang="en-US" sz="2000" kern="1200" dirty="0"/>
-        </a:p>
-      </dsp:txBody>
-      <dsp:txXfrm>
-        <a:off x="6811524" y="2724620"/>
-        <a:ext cx="2166067" cy="2983605"/>
-      </dsp:txXfrm>
-    </dsp:sp>
   </dsp:spTree>
 </dsp:drawing>
 </file>
@@ -9589,7 +9115,20 @@
           <a:p>
             <a:r>
               <a:rPr lang="en-US" dirty="0" smtClean="0"/>
-              <a:t>Presented to : T.A. Sara Tarek</a:t>
+              <a:t>Presented to : T.A. Sara </a:t>
+            </a:r>
+            <a:r>
+              <a:rPr lang="en-US" dirty="0" smtClean="0"/>
+              <a:t>Tarek</a:t>
+            </a:r>
+          </a:p>
+          <a:p>
+            <a:endParaRPr lang="en-US" dirty="0"/>
+          </a:p>
+          <a:p>
+            <a:r>
+              <a:rPr lang="en-US" dirty="0" smtClean="0"/>
+              <a:t>21/12/2014</a:t>
             </a:r>
             <a:endParaRPr lang="en-US" dirty="0"/>
           </a:p>
